--- a/Sesion6/Presentacion M3 Clase 1 - Introducción EDA.pptx
+++ b/Sesion6/Presentacion M3 Clase 1 - Introducción EDA.pptx
@@ -16788,7 +16788,7 @@
               <a:pPr>
                 <a:defRPr/>
               </a:pPr>
-              <a:t>10/05/2024</a:t>
+              <a:t>21/08/2024</a:t>
             </a:fld>
             <a:endParaRPr lang="es-CO"/>
           </a:p>
@@ -17026,7 +17026,7 @@
               <a:pPr>
                 <a:defRPr/>
               </a:pPr>
-              <a:t>10/05/2024</a:t>
+              <a:t>21/08/2024</a:t>
             </a:fld>
             <a:endParaRPr lang="es-CO"/>
           </a:p>
@@ -21131,7 +21131,41 @@
                 <a:ea typeface="+mn-ea"/>
                 <a:cs typeface="Arial" pitchFamily="34" charset="0"/>
               </a:rPr>
-              <a:t>Los procesos de gobierno de datos se centran en 12 frentes: </a:t>
+              <a:t>Los procesos de gobierno de datos se centran en </a:t>
+            </a:r>
+            <a:r>
+              <a:rPr kumimoji="0" lang="es-CO" i="0" u="none" strike="noStrike" kern="1200" cap="none" spc="0" normalizeH="0" baseline="0" noProof="0">
+                <a:ln>
+                  <a:noFill/>
+                </a:ln>
+                <a:solidFill>
+                  <a:schemeClr val="tx1"/>
+                </a:solidFill>
+                <a:effectLst/>
+                <a:uLnTx/>
+                <a:uFillTx/>
+                <a:latin typeface="Arial" pitchFamily="34" charset="0"/>
+                <a:ea typeface="+mn-ea"/>
+                <a:cs typeface="Arial" pitchFamily="34" charset="0"/>
+              </a:rPr>
+              <a:t>los siguientes </a:t>
+            </a:r>
+            <a:r>
+              <a:rPr kumimoji="0" lang="es-CO" i="0" u="none" strike="noStrike" kern="1200" cap="none" spc="0" normalizeH="0" baseline="0" noProof="0" dirty="0">
+                <a:ln>
+                  <a:noFill/>
+                </a:ln>
+                <a:solidFill>
+                  <a:schemeClr val="tx1"/>
+                </a:solidFill>
+                <a:effectLst/>
+                <a:uLnTx/>
+                <a:uFillTx/>
+                <a:latin typeface="Arial" pitchFamily="34" charset="0"/>
+                <a:ea typeface="+mn-ea"/>
+                <a:cs typeface="Arial" pitchFamily="34" charset="0"/>
+              </a:rPr>
+              <a:t>frentes: </a:t>
             </a:r>
           </a:p>
         </p:txBody>

--- a/Sesion6/Presentacion M3 Clase 1 - Introducción EDA.pptx
+++ b/Sesion6/Presentacion M3 Clase 1 - Introducción EDA.pptx
@@ -4471,42 +4471,6 @@
         </a:p>
       </dgm:t>
     </dgm:pt>
-    <dgm:pt modelId="{6162AF6E-2942-4AA0-93EE-7BC9FC66AA85}">
-      <dgm:prSet phldrT="[Texto]"/>
-      <dgm:spPr/>
-      <dgm:t>
-        <a:bodyPr/>
-        <a:lstStyle/>
-        <a:p>
-          <a:r>
-            <a:rPr lang="es-CO" dirty="0"/>
-            <a:t>Reducción dimensional (Análisis de componentes principales)</a:t>
-          </a:r>
-        </a:p>
-      </dgm:t>
-    </dgm:pt>
-    <dgm:pt modelId="{81C46A30-7EC1-40C5-8519-D8BA8C8B4529}" type="parTrans" cxnId="{2B631967-4FCB-47D9-97C3-A60B2DFC14D0}">
-      <dgm:prSet/>
-      <dgm:spPr/>
-      <dgm:t>
-        <a:bodyPr/>
-        <a:lstStyle/>
-        <a:p>
-          <a:endParaRPr lang="es-CO"/>
-        </a:p>
-      </dgm:t>
-    </dgm:pt>
-    <dgm:pt modelId="{E4FA86CA-EEA0-4B20-9130-6886B9A404BA}" type="sibTrans" cxnId="{2B631967-4FCB-47D9-97C3-A60B2DFC14D0}">
-      <dgm:prSet/>
-      <dgm:spPr/>
-      <dgm:t>
-        <a:bodyPr/>
-        <a:lstStyle/>
-        <a:p>
-          <a:endParaRPr lang="es-CO"/>
-        </a:p>
-      </dgm:t>
-    </dgm:pt>
     <dgm:pt modelId="{E16EAC56-9341-44CF-85E6-8D24A85CC45F}">
       <dgm:prSet phldrT="[Texto]"/>
       <dgm:spPr/>
@@ -4615,7 +4579,7 @@
       <dgm:spPr/>
     </dgm:pt>
     <dgm:pt modelId="{DE1C6C87-EC21-487F-9A92-F74216730A48}" type="pres">
-      <dgm:prSet presAssocID="{C455B7F5-84AD-4F5F-9E8D-CCC39327254E}" presName="node" presStyleLbl="node1" presStyleIdx="0" presStyleCnt="6">
+      <dgm:prSet presAssocID="{C455B7F5-84AD-4F5F-9E8D-CCC39327254E}" presName="node" presStyleLbl="node1" presStyleIdx="0" presStyleCnt="5">
         <dgm:presLayoutVars>
           <dgm:bulletEnabled val="1"/>
         </dgm:presLayoutVars>
@@ -4627,7 +4591,7 @@
       <dgm:spPr/>
     </dgm:pt>
     <dgm:pt modelId="{9DC3865E-B6F2-455D-9612-9325965BCB04}" type="pres">
-      <dgm:prSet presAssocID="{315D63FD-B4E6-4936-8435-8285A58A774A}" presName="node" presStyleLbl="node1" presStyleIdx="1" presStyleCnt="6">
+      <dgm:prSet presAssocID="{315D63FD-B4E6-4936-8435-8285A58A774A}" presName="node" presStyleLbl="node1" presStyleIdx="1" presStyleCnt="5">
         <dgm:presLayoutVars>
           <dgm:bulletEnabled val="1"/>
         </dgm:presLayoutVars>
@@ -4639,7 +4603,7 @@
       <dgm:spPr/>
     </dgm:pt>
     <dgm:pt modelId="{ADA27AD4-0068-4D84-AC32-34FA2384F6DC}" type="pres">
-      <dgm:prSet presAssocID="{2BEAB2F6-C4F5-4145-A673-ECD316ADFC43}" presName="node" presStyleLbl="node1" presStyleIdx="2" presStyleCnt="6">
+      <dgm:prSet presAssocID="{2BEAB2F6-C4F5-4145-A673-ECD316ADFC43}" presName="node" presStyleLbl="node1" presStyleIdx="2" presStyleCnt="5">
         <dgm:presLayoutVars>
           <dgm:bulletEnabled val="1"/>
         </dgm:presLayoutVars>
@@ -4651,7 +4615,7 @@
       <dgm:spPr/>
     </dgm:pt>
     <dgm:pt modelId="{6D3671F7-3345-4264-A410-D41120B05F7B}" type="pres">
-      <dgm:prSet presAssocID="{E16EAC56-9341-44CF-85E6-8D24A85CC45F}" presName="node" presStyleLbl="node1" presStyleIdx="3" presStyleCnt="6">
+      <dgm:prSet presAssocID="{E16EAC56-9341-44CF-85E6-8D24A85CC45F}" presName="node" presStyleLbl="node1" presStyleIdx="3" presStyleCnt="5" custLinFactNeighborX="55582" custLinFactNeighborY="8108">
         <dgm:presLayoutVars>
           <dgm:bulletEnabled val="1"/>
         </dgm:presLayoutVars>
@@ -4663,19 +4627,7 @@
       <dgm:spPr/>
     </dgm:pt>
     <dgm:pt modelId="{A281A737-D7BF-4A99-86B0-A7302F00F294}" type="pres">
-      <dgm:prSet presAssocID="{5223D59C-D380-4CA0-8A34-62077052B021}" presName="node" presStyleLbl="node1" presStyleIdx="4" presStyleCnt="6">
-        <dgm:presLayoutVars>
-          <dgm:bulletEnabled val="1"/>
-        </dgm:presLayoutVars>
-      </dgm:prSet>
-      <dgm:spPr/>
-    </dgm:pt>
-    <dgm:pt modelId="{23C2AC0D-21F3-4539-AD90-EB4FE7D156AB}" type="pres">
-      <dgm:prSet presAssocID="{55F42966-A657-4B49-ACA8-AB3A28804D25}" presName="sibTrans" presStyleCnt="0"/>
-      <dgm:spPr/>
-    </dgm:pt>
-    <dgm:pt modelId="{AFADEA76-FC41-4FD2-AFB3-22370F8EFFDF}" type="pres">
-      <dgm:prSet presAssocID="{6162AF6E-2942-4AA0-93EE-7BC9FC66AA85}" presName="node" presStyleLbl="node1" presStyleIdx="5" presStyleCnt="6">
+      <dgm:prSet presAssocID="{5223D59C-D380-4CA0-8A34-62077052B021}" presName="node" presStyleLbl="node1" presStyleIdx="4" presStyleCnt="5" custLinFactNeighborX="54425" custLinFactNeighborY="8922">
         <dgm:presLayoutVars>
           <dgm:bulletEnabled val="1"/>
         </dgm:presLayoutVars>
@@ -4687,8 +4639,6 @@
     <dgm:cxn modelId="{73FEC93C-0B83-4E64-A134-2A8B139BC9BC}" type="presOf" srcId="{E16EAC56-9341-44CF-85E6-8D24A85CC45F}" destId="{6D3671F7-3345-4264-A410-D41120B05F7B}" srcOrd="0" destOrd="0" presId="urn:microsoft.com/office/officeart/2005/8/layout/default"/>
     <dgm:cxn modelId="{831B3B3E-D55F-4D03-8525-B335358CBC85}" srcId="{56E2E7F6-EB17-457A-84A1-385E37740363}" destId="{E16EAC56-9341-44CF-85E6-8D24A85CC45F}" srcOrd="3" destOrd="0" parTransId="{CFDD3D6B-3D05-461C-B80B-B45C9747A47F}" sibTransId="{83EA3D01-479E-4C59-9008-13414D35B046}"/>
     <dgm:cxn modelId="{6BF52D3F-10D8-4600-9655-E03B0D632A1E}" srcId="{56E2E7F6-EB17-457A-84A1-385E37740363}" destId="{5223D59C-D380-4CA0-8A34-62077052B021}" srcOrd="4" destOrd="0" parTransId="{E81CDC52-963D-4E10-888C-AE1254AD114B}" sibTransId="{55F42966-A657-4B49-ACA8-AB3A28804D25}"/>
-    <dgm:cxn modelId="{2B631967-4FCB-47D9-97C3-A60B2DFC14D0}" srcId="{56E2E7F6-EB17-457A-84A1-385E37740363}" destId="{6162AF6E-2942-4AA0-93EE-7BC9FC66AA85}" srcOrd="5" destOrd="0" parTransId="{81C46A30-7EC1-40C5-8519-D8BA8C8B4529}" sibTransId="{E4FA86CA-EEA0-4B20-9130-6886B9A404BA}"/>
-    <dgm:cxn modelId="{B37E2755-91A8-44D2-8964-B9F1CA67EEF8}" type="presOf" srcId="{6162AF6E-2942-4AA0-93EE-7BC9FC66AA85}" destId="{AFADEA76-FC41-4FD2-AFB3-22370F8EFFDF}" srcOrd="0" destOrd="0" presId="urn:microsoft.com/office/officeart/2005/8/layout/default"/>
     <dgm:cxn modelId="{2CB9F887-E900-46EF-8B18-6DE0AF091A90}" type="presOf" srcId="{315D63FD-B4E6-4936-8435-8285A58A774A}" destId="{9DC3865E-B6F2-455D-9612-9325965BCB04}" srcOrd="0" destOrd="0" presId="urn:microsoft.com/office/officeart/2005/8/layout/default"/>
     <dgm:cxn modelId="{765CE08A-EF2F-4FEA-80EB-1FB6DE202AAB}" type="presOf" srcId="{56E2E7F6-EB17-457A-84A1-385E37740363}" destId="{B7A13A27-A983-4E27-B3FB-73B1A70A7DF3}" srcOrd="0" destOrd="0" presId="urn:microsoft.com/office/officeart/2005/8/layout/default"/>
     <dgm:cxn modelId="{537D8995-AA05-4204-99C5-2DB24C587CD5}" srcId="{56E2E7F6-EB17-457A-84A1-385E37740363}" destId="{2BEAB2F6-C4F5-4145-A673-ECD316ADFC43}" srcOrd="2" destOrd="0" parTransId="{488EC7C4-390A-4B7A-BE28-588A866A66AF}" sibTransId="{2CDB51C1-FB72-4E79-989E-DFB09B0CF246}"/>
@@ -4706,8 +4656,6 @@
     <dgm:cxn modelId="{15742EAF-A9C3-4A71-869F-0D940E0C3656}" type="presParOf" srcId="{B7A13A27-A983-4E27-B3FB-73B1A70A7DF3}" destId="{6D3671F7-3345-4264-A410-D41120B05F7B}" srcOrd="6" destOrd="0" presId="urn:microsoft.com/office/officeart/2005/8/layout/default"/>
     <dgm:cxn modelId="{D87E2A56-9894-49A4-B885-AF3C1E3F9D88}" type="presParOf" srcId="{B7A13A27-A983-4E27-B3FB-73B1A70A7DF3}" destId="{C57C69F7-8559-4D0F-9A9A-A1501B2ABCE5}" srcOrd="7" destOrd="0" presId="urn:microsoft.com/office/officeart/2005/8/layout/default"/>
     <dgm:cxn modelId="{79C33C26-695F-46D2-A51F-F50AE3A02793}" type="presParOf" srcId="{B7A13A27-A983-4E27-B3FB-73B1A70A7DF3}" destId="{A281A737-D7BF-4A99-86B0-A7302F00F294}" srcOrd="8" destOrd="0" presId="urn:microsoft.com/office/officeart/2005/8/layout/default"/>
-    <dgm:cxn modelId="{75DBA907-62A3-4AC1-97B7-5C4B61BCAAF0}" type="presParOf" srcId="{B7A13A27-A983-4E27-B3FB-73B1A70A7DF3}" destId="{23C2AC0D-21F3-4539-AD90-EB4FE7D156AB}" srcOrd="9" destOrd="0" presId="urn:microsoft.com/office/officeart/2005/8/layout/default"/>
-    <dgm:cxn modelId="{1B77EB87-AC3C-4A8A-AAB8-6C1BFD94FCD4}" type="presParOf" srcId="{B7A13A27-A983-4E27-B3FB-73B1A70A7DF3}" destId="{AFADEA76-FC41-4FD2-AFB3-22370F8EFFDF}" srcOrd="10" destOrd="0" presId="urn:microsoft.com/office/officeart/2005/8/layout/default"/>
   </dgm:cxnLst>
   <dgm:bg/>
   <dgm:whole/>
@@ -7149,7 +7097,7 @@
       </dsp:nvSpPr>
       <dsp:spPr>
         <a:xfrm>
-          <a:off x="0" y="165861"/>
+          <a:off x="0" y="683386"/>
           <a:ext cx="2446020" cy="1467612"/>
         </a:xfrm>
         <a:prstGeom prst="rect">
@@ -7181,12 +7129,12 @@
         </a:fontRef>
       </dsp:style>
       <dsp:txBody>
-        <a:bodyPr spcFirstLastPara="0" vert="horz" wrap="square" lIns="80010" tIns="80010" rIns="80010" bIns="80010" numCol="1" spcCol="1270" anchor="ctr" anchorCtr="0">
+        <a:bodyPr spcFirstLastPara="0" vert="horz" wrap="square" lIns="114300" tIns="114300" rIns="114300" bIns="114300" numCol="1" spcCol="1270" anchor="ctr" anchorCtr="0">
           <a:noAutofit/>
         </a:bodyPr>
         <a:lstStyle/>
         <a:p>
-          <a:pPr marL="0" lvl="0" indent="0" algn="ctr" defTabSz="933450">
+          <a:pPr marL="0" lvl="0" indent="0" algn="ctr" defTabSz="1333500">
             <a:lnSpc>
               <a:spcPct val="90000"/>
             </a:lnSpc>
@@ -7199,7 +7147,7 @@
             <a:buNone/>
           </a:pPr>
           <a:r>
-            <a:rPr lang="es-CO" sz="2100" b="1" kern="1200" dirty="0">
+            <a:rPr lang="es-CO" sz="3000" b="1" kern="1200" dirty="0">
               <a:solidFill>
                 <a:schemeClr val="bg1"/>
               </a:solidFill>
@@ -7207,14 +7155,14 @@
             <a:t>Visualización </a:t>
           </a:r>
           <a:r>
-            <a:rPr lang="es-CO" sz="2100" b="1" kern="1200" dirty="0" err="1">
+            <a:rPr lang="es-CO" sz="3000" b="1" kern="1200" dirty="0" err="1">
               <a:solidFill>
                 <a:schemeClr val="bg1"/>
               </a:solidFill>
             </a:rPr>
             <a:t>univariada</a:t>
           </a:r>
-          <a:endParaRPr lang="es-CO" sz="2100" b="1" kern="1200" dirty="0">
+          <a:endParaRPr lang="es-CO" sz="3000" b="1" kern="1200" dirty="0">
             <a:solidFill>
               <a:schemeClr val="bg1"/>
             </a:solidFill>
@@ -7222,7 +7170,7 @@
         </a:p>
       </dsp:txBody>
       <dsp:txXfrm>
-        <a:off x="0" y="165861"/>
+        <a:off x="0" y="683386"/>
         <a:ext cx="2446020" cy="1467612"/>
       </dsp:txXfrm>
     </dsp:sp>
@@ -7233,7 +7181,7 @@
       </dsp:nvSpPr>
       <dsp:spPr>
         <a:xfrm>
-          <a:off x="2690622" y="165861"/>
+          <a:off x="2690622" y="683386"/>
           <a:ext cx="2446020" cy="1467612"/>
         </a:xfrm>
         <a:prstGeom prst="rect">
@@ -7265,12 +7213,12 @@
         </a:fontRef>
       </dsp:style>
       <dsp:txBody>
-        <a:bodyPr spcFirstLastPara="0" vert="horz" wrap="square" lIns="80010" tIns="80010" rIns="80010" bIns="80010" numCol="1" spcCol="1270" anchor="ctr" anchorCtr="0">
+        <a:bodyPr spcFirstLastPara="0" vert="horz" wrap="square" lIns="114300" tIns="114300" rIns="114300" bIns="114300" numCol="1" spcCol="1270" anchor="ctr" anchorCtr="0">
           <a:noAutofit/>
         </a:bodyPr>
         <a:lstStyle/>
         <a:p>
-          <a:pPr marL="0" lvl="0" indent="0" algn="ctr" defTabSz="933450">
+          <a:pPr marL="0" lvl="0" indent="0" algn="ctr" defTabSz="1333500">
             <a:lnSpc>
               <a:spcPct val="90000"/>
             </a:lnSpc>
@@ -7283,7 +7231,7 @@
             <a:buNone/>
           </a:pPr>
           <a:r>
-            <a:rPr lang="es-CO" sz="2100" b="1" kern="1200" dirty="0">
+            <a:rPr lang="es-CO" sz="3000" b="1" kern="1200" dirty="0">
               <a:solidFill>
                 <a:schemeClr val="bg1"/>
               </a:solidFill>
@@ -7291,14 +7239,14 @@
             <a:t>Visualización </a:t>
           </a:r>
           <a:r>
-            <a:rPr lang="es-CO" sz="2100" b="1" kern="1200" dirty="0" err="1">
+            <a:rPr lang="es-CO" sz="3000" b="1" kern="1200" dirty="0" err="1">
               <a:solidFill>
                 <a:schemeClr val="bg1"/>
               </a:solidFill>
             </a:rPr>
             <a:t>bivariada</a:t>
           </a:r>
-          <a:endParaRPr lang="es-CO" sz="2100" b="1" kern="1200" dirty="0">
+          <a:endParaRPr lang="es-CO" sz="3000" b="1" kern="1200" dirty="0">
             <a:solidFill>
               <a:schemeClr val="bg1"/>
             </a:solidFill>
@@ -7306,7 +7254,7 @@
         </a:p>
       </dsp:txBody>
       <dsp:txXfrm>
-        <a:off x="2690622" y="165861"/>
+        <a:off x="2690622" y="683386"/>
         <a:ext cx="2446020" cy="1467612"/>
       </dsp:txXfrm>
     </dsp:sp>
@@ -7317,7 +7265,7 @@
       </dsp:nvSpPr>
       <dsp:spPr>
         <a:xfrm>
-          <a:off x="5381243" y="165861"/>
+          <a:off x="5381243" y="683386"/>
           <a:ext cx="2446020" cy="1467612"/>
         </a:xfrm>
         <a:prstGeom prst="rect">
@@ -7349,12 +7297,12 @@
         </a:fontRef>
       </dsp:style>
       <dsp:txBody>
-        <a:bodyPr spcFirstLastPara="0" vert="horz" wrap="square" lIns="80010" tIns="80010" rIns="80010" bIns="80010" numCol="1" spcCol="1270" anchor="ctr" anchorCtr="0">
+        <a:bodyPr spcFirstLastPara="0" vert="horz" wrap="square" lIns="114300" tIns="114300" rIns="114300" bIns="114300" numCol="1" spcCol="1270" anchor="ctr" anchorCtr="0">
           <a:noAutofit/>
         </a:bodyPr>
         <a:lstStyle/>
         <a:p>
-          <a:pPr marL="0" lvl="0" indent="0" algn="ctr" defTabSz="933450">
+          <a:pPr marL="0" lvl="0" indent="0" algn="ctr" defTabSz="1333500">
             <a:lnSpc>
               <a:spcPct val="90000"/>
             </a:lnSpc>
@@ -7367,7 +7315,7 @@
             <a:buNone/>
           </a:pPr>
           <a:r>
-            <a:rPr lang="es-CO" sz="2100" b="1" kern="1200" dirty="0">
+            <a:rPr lang="es-CO" sz="3000" b="1" kern="1200" dirty="0">
               <a:solidFill>
                 <a:schemeClr val="bg1"/>
               </a:solidFill>
@@ -7377,7 +7325,7 @@
         </a:p>
       </dsp:txBody>
       <dsp:txXfrm>
-        <a:off x="5381243" y="165861"/>
+        <a:off x="5381243" y="683386"/>
         <a:ext cx="2446020" cy="1467612"/>
       </dsp:txXfrm>
     </dsp:sp>
@@ -7388,7 +7336,7 @@
       </dsp:nvSpPr>
       <dsp:spPr>
         <a:xfrm>
-          <a:off x="0" y="1878076"/>
+          <a:off x="2704857" y="2514594"/>
           <a:ext cx="2446020" cy="1467612"/>
         </a:xfrm>
         <a:prstGeom prst="rect">
@@ -7431,12 +7379,12 @@
         </a:fontRef>
       </dsp:style>
       <dsp:txBody>
-        <a:bodyPr spcFirstLastPara="0" vert="horz" wrap="square" lIns="80010" tIns="80010" rIns="80010" bIns="80010" numCol="1" spcCol="1270" anchor="ctr" anchorCtr="0">
+        <a:bodyPr spcFirstLastPara="0" vert="horz" wrap="square" lIns="114300" tIns="114300" rIns="114300" bIns="114300" numCol="1" spcCol="1270" anchor="ctr" anchorCtr="0">
           <a:noAutofit/>
         </a:bodyPr>
         <a:lstStyle/>
         <a:p>
-          <a:pPr marL="0" lvl="0" indent="0" algn="ctr" defTabSz="933450">
+          <a:pPr marL="0" lvl="0" indent="0" algn="ctr" defTabSz="1333500">
             <a:lnSpc>
               <a:spcPct val="90000"/>
             </a:lnSpc>
@@ -7449,13 +7397,13 @@
             <a:buNone/>
           </a:pPr>
           <a:r>
-            <a:rPr lang="es-CO" sz="2100" kern="1200" dirty="0"/>
+            <a:rPr lang="es-CO" sz="3000" kern="1200" dirty="0"/>
             <a:t>Análisis de correlación </a:t>
           </a:r>
         </a:p>
       </dsp:txBody>
       <dsp:txXfrm>
-        <a:off x="0" y="1878076"/>
+        <a:off x="2704857" y="2514594"/>
         <a:ext cx="2446020" cy="1467612"/>
       </dsp:txXfrm>
     </dsp:sp>
@@ -7466,7 +7414,7 @@
       </dsp:nvSpPr>
       <dsp:spPr>
         <a:xfrm>
-          <a:off x="2690621" y="1878076"/>
+          <a:off x="5367179" y="2526541"/>
           <a:ext cx="2446020" cy="1467612"/>
         </a:xfrm>
         <a:prstGeom prst="rect">
@@ -7509,12 +7457,12 @@
         </a:fontRef>
       </dsp:style>
       <dsp:txBody>
-        <a:bodyPr spcFirstLastPara="0" vert="horz" wrap="square" lIns="80010" tIns="80010" rIns="80010" bIns="80010" numCol="1" spcCol="1270" anchor="ctr" anchorCtr="0">
+        <a:bodyPr spcFirstLastPara="0" vert="horz" wrap="square" lIns="114300" tIns="114300" rIns="114300" bIns="114300" numCol="1" spcCol="1270" anchor="ctr" anchorCtr="0">
           <a:noAutofit/>
         </a:bodyPr>
         <a:lstStyle/>
         <a:p>
-          <a:pPr marL="0" lvl="0" indent="0" algn="ctr" defTabSz="933450">
+          <a:pPr marL="0" lvl="0" indent="0" algn="ctr" defTabSz="1333500">
             <a:lnSpc>
               <a:spcPct val="90000"/>
             </a:lnSpc>
@@ -7527,99 +7475,21 @@
             <a:buNone/>
           </a:pPr>
           <a:r>
-            <a:rPr lang="es-CO" sz="2100" kern="1200" dirty="0"/>
+            <a:rPr lang="es-CO" sz="3000" kern="1200" dirty="0"/>
             <a:t>Segmentación (</a:t>
           </a:r>
           <a:r>
-            <a:rPr lang="es-CO" sz="2100" kern="1200" dirty="0" err="1"/>
+            <a:rPr lang="es-CO" sz="3000" kern="1200" dirty="0" err="1"/>
             <a:t>Clustering</a:t>
           </a:r>
           <a:r>
-            <a:rPr lang="es-CO" sz="2100" kern="1200" dirty="0"/>
+            <a:rPr lang="es-CO" sz="3000" kern="1200" dirty="0"/>
             <a:t>)</a:t>
           </a:r>
         </a:p>
       </dsp:txBody>
       <dsp:txXfrm>
-        <a:off x="2690621" y="1878076"/>
-        <a:ext cx="2446020" cy="1467612"/>
-      </dsp:txXfrm>
-    </dsp:sp>
-    <dsp:sp modelId="{AFADEA76-FC41-4FD2-AFB3-22370F8EFFDF}">
-      <dsp:nvSpPr>
-        <dsp:cNvPr id="0" name=""/>
-        <dsp:cNvSpPr/>
-      </dsp:nvSpPr>
-      <dsp:spPr>
-        <a:xfrm>
-          <a:off x="5381243" y="1878076"/>
-          <a:ext cx="2446020" cy="1467612"/>
-        </a:xfrm>
-        <a:prstGeom prst="rect">
-          <a:avLst/>
-        </a:prstGeom>
-        <a:solidFill>
-          <a:schemeClr val="lt1">
-            <a:hueOff val="0"/>
-            <a:satOff val="0"/>
-            <a:lumOff val="0"/>
-            <a:alphaOff val="0"/>
-          </a:schemeClr>
-        </a:solidFill>
-        <a:ln w="25400" cap="flat" cmpd="sng" algn="ctr">
-          <a:solidFill>
-            <a:schemeClr val="accent1">
-              <a:shade val="80000"/>
-              <a:hueOff val="0"/>
-              <a:satOff val="0"/>
-              <a:lumOff val="0"/>
-              <a:alphaOff val="0"/>
-            </a:schemeClr>
-          </a:solidFill>
-          <a:prstDash val="solid"/>
-        </a:ln>
-        <a:effectLst/>
-      </dsp:spPr>
-      <dsp:style>
-        <a:lnRef idx="2">
-          <a:scrgbClr r="0" g="0" b="0"/>
-        </a:lnRef>
-        <a:fillRef idx="1">
-          <a:scrgbClr r="0" g="0" b="0"/>
-        </a:fillRef>
-        <a:effectRef idx="0">
-          <a:scrgbClr r="0" g="0" b="0"/>
-        </a:effectRef>
-        <a:fontRef idx="minor">
-          <a:schemeClr val="lt1"/>
-        </a:fontRef>
-      </dsp:style>
-      <dsp:txBody>
-        <a:bodyPr spcFirstLastPara="0" vert="horz" wrap="square" lIns="80010" tIns="80010" rIns="80010" bIns="80010" numCol="1" spcCol="1270" anchor="ctr" anchorCtr="0">
-          <a:noAutofit/>
-        </a:bodyPr>
-        <a:lstStyle/>
-        <a:p>
-          <a:pPr marL="0" lvl="0" indent="0" algn="ctr" defTabSz="933450">
-            <a:lnSpc>
-              <a:spcPct val="90000"/>
-            </a:lnSpc>
-            <a:spcBef>
-              <a:spcPct val="0"/>
-            </a:spcBef>
-            <a:spcAft>
-              <a:spcPct val="35000"/>
-            </a:spcAft>
-            <a:buNone/>
-          </a:pPr>
-          <a:r>
-            <a:rPr lang="es-CO" sz="2100" kern="1200" dirty="0"/>
-            <a:t>Reducción dimensional (Análisis de componentes principales)</a:t>
-          </a:r>
-        </a:p>
-      </dsp:txBody>
-      <dsp:txXfrm>
-        <a:off x="5381243" y="1878076"/>
+        <a:off x="5367179" y="2526541"/>
         <a:ext cx="2446020" cy="1467612"/>
       </dsp:txXfrm>
     </dsp:sp>
@@ -23499,14 +23369,14 @@
           <p:nvPr>
             <p:extLst>
               <p:ext uri="{D42A27DB-BD31-4B8C-83A1-F6EECF244321}">
-                <p14:modId xmlns:p14="http://schemas.microsoft.com/office/powerpoint/2010/main" val="486845119"/>
+                <p14:modId xmlns:p14="http://schemas.microsoft.com/office/powerpoint/2010/main" val="604862802"/>
               </p:ext>
             </p:extLst>
           </p:nvPr>
         </p:nvGraphicFramePr>
         <p:xfrm>
-          <a:off x="603504" y="1949450"/>
-          <a:ext cx="7827264" cy="3511550"/>
+          <a:off x="658368" y="914400"/>
+          <a:ext cx="7827264" cy="4546600"/>
         </p:xfrm>
         <a:graphic>
           <a:graphicData uri="http://schemas.openxmlformats.org/drawingml/2006/diagram">
